--- a/Nove prednasky/sablona_prednasky.pptx
+++ b/Nove prednasky/sablona_prednasky.pptx
@@ -106,6 +106,11 @@
       </a:defRPr>
     </a:lvl9pPr>
   </p:defaultTextStyle>
+  <p:extLst>
+    <p:ext uri="{EFAFB233-063F-42B5-8137-9DF3F51BA10A}">
+      <p15:sldGuideLst xmlns:p15="http://schemas.microsoft.com/office/powerpoint/2012/main"/>
+    </p:ext>
+  </p:extLst>
 </p:presentation>
 </file>
 
@@ -395,7 +400,7 @@
           <a:p>
             <a:fld id="{B1F4BD78-2EC2-485B-A16B-A2D870866C74}" type="datetimeFigureOut">
               <a:rPr lang="sk-SK" smtClean="0"/>
-              <a:t>28.3.2019</a:t>
+              <a:t>2.6.2019</a:t>
             </a:fld>
             <a:endParaRPr lang="sk-SK"/>
           </a:p>
@@ -486,7 +491,7 @@
           <p:cNvPr id="11" name="Obrázok 10">
             <a:extLst>
               <a:ext uri="{FF2B5EF4-FFF2-40B4-BE49-F238E27FC236}">
-                <a16:creationId xmlns:a16="http://schemas.microsoft.com/office/drawing/2014/main" id="{D575F8E8-6CC8-49FD-8010-88908C002CDA}"/>
+                <a16:creationId xmlns:a16="http://schemas.microsoft.com/office/drawing/2014/main" xmlns="" id="{D575F8E8-6CC8-49FD-8010-88908C002CDA}"/>
               </a:ext>
             </a:extLst>
           </p:cNvPr>
@@ -522,7 +527,7 @@
           <p:cNvPr id="13" name="Obrázok 12">
             <a:extLst>
               <a:ext uri="{FF2B5EF4-FFF2-40B4-BE49-F238E27FC236}">
-                <a16:creationId xmlns:a16="http://schemas.microsoft.com/office/drawing/2014/main" id="{E0A78DBF-D0B2-42A5-9F1D-0CAC637C7D2D}"/>
+                <a16:creationId xmlns:a16="http://schemas.microsoft.com/office/drawing/2014/main" xmlns="" id="{E0A78DBF-D0B2-42A5-9F1D-0CAC637C7D2D}"/>
               </a:ext>
             </a:extLst>
           </p:cNvPr>
@@ -679,7 +684,7 @@
           <a:p>
             <a:fld id="{B1F4BD78-2EC2-485B-A16B-A2D870866C74}" type="datetimeFigureOut">
               <a:rPr lang="sk-SK" smtClean="0"/>
-              <a:t>28.3.2019</a:t>
+              <a:t>2.6.2019</a:t>
             </a:fld>
             <a:endParaRPr lang="sk-SK"/>
           </a:p>
@@ -1022,7 +1027,7 @@
           <a:p>
             <a:fld id="{B1F4BD78-2EC2-485B-A16B-A2D870866C74}" type="datetimeFigureOut">
               <a:rPr lang="sk-SK" smtClean="0"/>
-              <a:t>28.3.2019</a:t>
+              <a:t>2.6.2019</a:t>
             </a:fld>
             <a:endParaRPr lang="sk-SK"/>
           </a:p>
@@ -1297,7 +1302,7 @@
           <a:p>
             <a:fld id="{B1F4BD78-2EC2-485B-A16B-A2D870866C74}" type="datetimeFigureOut">
               <a:rPr lang="sk-SK" smtClean="0"/>
-              <a:t>28.3.2019</a:t>
+              <a:t>2.6.2019</a:t>
             </a:fld>
             <a:endParaRPr lang="sk-SK"/>
           </a:p>
@@ -1676,7 +1681,7 @@
           <a:p>
             <a:fld id="{B1F4BD78-2EC2-485B-A16B-A2D870866C74}" type="datetimeFigureOut">
               <a:rPr lang="sk-SK" smtClean="0"/>
-              <a:t>28.3.2019</a:t>
+              <a:t>2.6.2019</a:t>
             </a:fld>
             <a:endParaRPr lang="sk-SK"/>
           </a:p>
@@ -1794,7 +1799,7 @@
           <a:p>
             <a:fld id="{B1F4BD78-2EC2-485B-A16B-A2D870866C74}" type="datetimeFigureOut">
               <a:rPr lang="sk-SK" smtClean="0"/>
-              <a:t>28.3.2019</a:t>
+              <a:t>2.6.2019</a:t>
             </a:fld>
             <a:endParaRPr lang="sk-SK"/>
           </a:p>
@@ -1965,7 +1970,7 @@
           <a:p>
             <a:fld id="{B1F4BD78-2EC2-485B-A16B-A2D870866C74}" type="datetimeFigureOut">
               <a:rPr lang="sk-SK" smtClean="0"/>
-              <a:t>28.3.2019</a:t>
+              <a:t>2.6.2019</a:t>
             </a:fld>
             <a:endParaRPr lang="sk-SK"/>
           </a:p>
@@ -2319,7 +2324,7 @@
           <a:p>
             <a:fld id="{B1F4BD78-2EC2-485B-A16B-A2D870866C74}" type="datetimeFigureOut">
               <a:rPr lang="sk-SK" smtClean="0"/>
-              <a:t>28.3.2019</a:t>
+              <a:t>2.6.2019</a:t>
             </a:fld>
             <a:endParaRPr lang="sk-SK"/>
           </a:p>
@@ -2701,7 +2706,7 @@
           <a:p>
             <a:fld id="{B1F4BD78-2EC2-485B-A16B-A2D870866C74}" type="datetimeFigureOut">
               <a:rPr lang="sk-SK" smtClean="0"/>
-              <a:t>28.3.2019</a:t>
+              <a:t>2.6.2019</a:t>
             </a:fld>
             <a:endParaRPr lang="sk-SK"/>
           </a:p>
@@ -2996,7 +3001,7 @@
           <a:p>
             <a:fld id="{B1F4BD78-2EC2-485B-A16B-A2D870866C74}" type="datetimeFigureOut">
               <a:rPr lang="sk-SK" smtClean="0"/>
-              <a:t>28.3.2019</a:t>
+              <a:t>2.6.2019</a:t>
             </a:fld>
             <a:endParaRPr lang="sk-SK"/>
           </a:p>
@@ -3482,7 +3487,7 @@
           <p:cNvPr id="2" name="Nadpis 1">
             <a:extLst>
               <a:ext uri="{FF2B5EF4-FFF2-40B4-BE49-F238E27FC236}">
-                <a16:creationId xmlns:a16="http://schemas.microsoft.com/office/drawing/2014/main" id="{8C9FEECD-5BD9-4CA4-ACC1-DA9C1EDD96B6}"/>
+                <a16:creationId xmlns:a16="http://schemas.microsoft.com/office/drawing/2014/main" xmlns="" id="{8C9FEECD-5BD9-4CA4-ACC1-DA9C1EDD96B6}"/>
               </a:ext>
             </a:extLst>
           </p:cNvPr>
@@ -3507,7 +3512,7 @@
           <p:cNvPr id="3" name="Podnadpis 2">
             <a:extLst>
               <a:ext uri="{FF2B5EF4-FFF2-40B4-BE49-F238E27FC236}">
-                <a16:creationId xmlns:a16="http://schemas.microsoft.com/office/drawing/2014/main" id="{313B57F5-B394-40F1-BEAB-F5B71B2FEDE1}"/>
+                <a16:creationId xmlns:a16="http://schemas.microsoft.com/office/drawing/2014/main" xmlns="" id="{313B57F5-B394-40F1-BEAB-F5B71B2FEDE1}"/>
               </a:ext>
             </a:extLst>
           </p:cNvPr>
@@ -3567,7 +3572,7 @@
           <p:cNvPr id="2" name="Nadpis 1">
             <a:extLst>
               <a:ext uri="{FF2B5EF4-FFF2-40B4-BE49-F238E27FC236}">
-                <a16:creationId xmlns:a16="http://schemas.microsoft.com/office/drawing/2014/main" id="{A60D084F-ACFD-4F46-B5DB-65DDF10CFCE9}"/>
+                <a16:creationId xmlns:a16="http://schemas.microsoft.com/office/drawing/2014/main" xmlns="" id="{A60D084F-ACFD-4F46-B5DB-65DDF10CFCE9}"/>
               </a:ext>
             </a:extLst>
           </p:cNvPr>
@@ -3606,7 +3611,7 @@
           <p:cNvPr id="3" name="Zástupný objekt pre obsah 2">
             <a:extLst>
               <a:ext uri="{FF2B5EF4-FFF2-40B4-BE49-F238E27FC236}">
-                <a16:creationId xmlns:a16="http://schemas.microsoft.com/office/drawing/2014/main" id="{A74476A0-8C3D-4B4B-ABC1-78C4925E54B4}"/>
+                <a16:creationId xmlns:a16="http://schemas.microsoft.com/office/drawing/2014/main" xmlns="" id="{A74476A0-8C3D-4B4B-ABC1-78C4925E54B4}"/>
               </a:ext>
             </a:extLst>
           </p:cNvPr>
@@ -3808,7 +3813,7 @@
           <p:cNvPr id="2" name="Nadpis 1">
             <a:extLst>
               <a:ext uri="{FF2B5EF4-FFF2-40B4-BE49-F238E27FC236}">
-                <a16:creationId xmlns:a16="http://schemas.microsoft.com/office/drawing/2014/main" id="{59DC17C1-419D-44F2-987B-AD5E29D750B8}"/>
+                <a16:creationId xmlns:a16="http://schemas.microsoft.com/office/drawing/2014/main" xmlns="" id="{59DC17C1-419D-44F2-987B-AD5E29D750B8}"/>
               </a:ext>
             </a:extLst>
           </p:cNvPr>
@@ -3833,7 +3838,7 @@
           <p:cNvPr id="3" name="Zástupný objekt pre obsah 2">
             <a:extLst>
               <a:ext uri="{FF2B5EF4-FFF2-40B4-BE49-F238E27FC236}">
-                <a16:creationId xmlns:a16="http://schemas.microsoft.com/office/drawing/2014/main" id="{5BD42F2B-ABA1-4F3A-865F-32330FB152D7}"/>
+                <a16:creationId xmlns:a16="http://schemas.microsoft.com/office/drawing/2014/main" xmlns="" id="{5BD42F2B-ABA1-4F3A-865F-32330FB152D7}"/>
               </a:ext>
             </a:extLst>
           </p:cNvPr>
